--- a/20-24sep2021/daemonset-cron.pptx
+++ b/20-24sep2021/daemonset-cron.pptx
@@ -11,6 +11,7 @@
     <p:sldId id="262" r:id="rId8"/>
     <p:sldId id="263" r:id="rId9"/>
     <p:sldId id="264" r:id="rId10"/>
+    <p:sldId id="266" r:id="rId11"/>
   </p:sldIdLst>
   <p:sldSz cx="12192000" cy="6858000"/>
   <p:notesSz cx="6858000" cy="9144000"/>
@@ -122,7 +123,7 @@
   <pc:docChgLst>
     <pc:chgData name="nataraj r" userId="97a8cfb579e33e83" providerId="LiveId" clId="{4603B770-B0B7-4535-B246-E235872426E8}"/>
     <pc:docChg chg="addSld delSld modSld sldOrd modMainMaster">
-      <pc:chgData name="nataraj r" userId="97a8cfb579e33e83" providerId="LiveId" clId="{4603B770-B0B7-4535-B246-E235872426E8}" dt="2021-09-30T14:05:30.744" v="44"/>
+      <pc:chgData name="nataraj r" userId="97a8cfb579e33e83" providerId="LiveId" clId="{4603B770-B0B7-4535-B246-E235872426E8}" dt="2021-09-30T15:05:58.574" v="50" actId="14100"/>
       <pc:docMkLst>
         <pc:docMk/>
       </pc:docMkLst>
@@ -265,6 +266,21 @@
           <pc:docMk/>
           <pc:sldMk cId="829340036" sldId="266"/>
         </pc:sldMkLst>
+      </pc:sldChg>
+      <pc:sldChg chg="addSp modSp new mod ord">
+        <pc:chgData name="nataraj r" userId="97a8cfb579e33e83" providerId="LiveId" clId="{4603B770-B0B7-4535-B246-E235872426E8}" dt="2021-09-30T15:05:58.574" v="50" actId="14100"/>
+        <pc:sldMkLst>
+          <pc:docMk/>
+          <pc:sldMk cId="1123097475" sldId="266"/>
+        </pc:sldMkLst>
+        <pc:picChg chg="add mod">
+          <ac:chgData name="nataraj r" userId="97a8cfb579e33e83" providerId="LiveId" clId="{4603B770-B0B7-4535-B246-E235872426E8}" dt="2021-09-30T15:05:58.574" v="50" actId="14100"/>
+          <ac:picMkLst>
+            <pc:docMk/>
+            <pc:sldMk cId="1123097475" sldId="266"/>
+            <ac:picMk id="3" creationId="{258BA52A-FD82-44D6-9EF1-5188118B5E96}"/>
+          </ac:picMkLst>
+        </pc:picChg>
       </pc:sldChg>
       <pc:sldChg chg="new del">
         <pc:chgData name="nataraj r" userId="97a8cfb579e33e83" providerId="LiveId" clId="{4603B770-B0B7-4535-B246-E235872426E8}" dt="2021-09-30T14:04:38.785" v="40" actId="47"/>
@@ -3852,13 +3868,13 @@
   <p:clrMapOvr>
     <a:masterClrMapping/>
   </p:clrMapOvr>
-  <mc:AlternateContent xmlns:mc="http://schemas.openxmlformats.org/markup-compatibility/2006">
-    <mc:Choice xmlns:p14="http://schemas.microsoft.com/office/powerpoint/2010/main" Requires="p14">
+  <mc:AlternateContent xmlns:mc="http://schemas.openxmlformats.org/markup-compatibility/2006" xmlns:p14="http://schemas.microsoft.com/office/powerpoint/2010/main">
+    <mc:Choice Requires="p14">
       <p:transition spd="slow" p14:dur="1500">
         <p:split orient="vert"/>
       </p:transition>
     </mc:Choice>
-    <mc:Fallback>
+    <mc:Fallback xmlns="">
       <p:transition spd="slow">
         <p:split orient="vert"/>
       </p:transition>
@@ -4111,6 +4127,66 @@
     <p:extLst>
       <p:ext uri="{BB962C8B-B14F-4D97-AF65-F5344CB8AC3E}">
         <p14:creationId xmlns:p14="http://schemas.microsoft.com/office/powerpoint/2010/main" val="730668498"/>
+      </p:ext>
+    </p:extLst>
+  </p:cSld>
+  <p:clrMapOvr>
+    <a:masterClrMapping/>
+  </p:clrMapOvr>
+</p:sld>
+</file>
+
+<file path=ppt/slides/slide7.xml><?xml version="1.0" encoding="utf-8"?>
+<p:sld xmlns:a="http://schemas.openxmlformats.org/drawingml/2006/main" xmlns:r="http://schemas.openxmlformats.org/officeDocument/2006/relationships" xmlns:p="http://schemas.openxmlformats.org/presentationml/2006/main">
+  <p:cSld>
+    <p:spTree>
+      <p:nvGrpSpPr>
+        <p:cNvPr id="1" name=""/>
+        <p:cNvGrpSpPr/>
+        <p:nvPr/>
+      </p:nvGrpSpPr>
+      <p:grpSpPr>
+        <a:xfrm>
+          <a:off x="0" y="0"/>
+          <a:ext cx="0" cy="0"/>
+          <a:chOff x="0" y="0"/>
+          <a:chExt cx="0" cy="0"/>
+        </a:xfrm>
+      </p:grpSpPr>
+      <p:pic>
+        <p:nvPicPr>
+          <p:cNvPr id="3" name="Picture 2">
+            <a:extLst>
+              <a:ext uri="{FF2B5EF4-FFF2-40B4-BE49-F238E27FC236}">
+                <a16:creationId xmlns:a16="http://schemas.microsoft.com/office/drawing/2014/main" id="{258BA52A-FD82-44D6-9EF1-5188118B5E96}"/>
+              </a:ext>
+            </a:extLst>
+          </p:cNvPr>
+          <p:cNvPicPr>
+            <a:picLocks noChangeAspect="1"/>
+          </p:cNvPicPr>
+          <p:nvPr/>
+        </p:nvPicPr>
+        <p:blipFill>
+          <a:blip r:embed="rId2"/>
+          <a:stretch>
+            <a:fillRect/>
+          </a:stretch>
+        </p:blipFill>
+        <p:spPr>
+          <a:xfrm>
+            <a:off x="3100387" y="795131"/>
+            <a:ext cx="7183300" cy="4562682"/>
+          </a:xfrm>
+          <a:prstGeom prst="rect">
+            <a:avLst/>
+          </a:prstGeom>
+        </p:spPr>
+      </p:pic>
+    </p:spTree>
+    <p:extLst>
+      <p:ext uri="{BB962C8B-B14F-4D97-AF65-F5344CB8AC3E}">
+        <p14:creationId xmlns:p14="http://schemas.microsoft.com/office/powerpoint/2010/main" val="1123097475"/>
       </p:ext>
     </p:extLst>
   </p:cSld>
@@ -4416,9 +4492,12 @@
 </file>
 
 <file path=customXml/item1.xml><?xml version="1.0" encoding="utf-8"?>
-<p:properties xmlns:p="http://schemas.microsoft.com/office/2006/metadata/properties" xmlns:xsi="http://www.w3.org/2001/XMLSchema-instance" xmlns:pc="http://schemas.microsoft.com/office/infopath/2007/PartnerControls">
-  <documentManagement/>
-</p:properties>
+<?mso-contentType ?>
+<FormTemplates xmlns="http://schemas.microsoft.com/sharepoint/v3/contenttype/forms">
+  <Display>DocumentLibraryForm</Display>
+  <Edit>DocumentLibraryForm</Edit>
+  <New>DocumentLibraryForm</New>
+</FormTemplates>
 </file>
 
 <file path=customXml/item2.xml><?xml version="1.0" encoding="utf-8"?>
@@ -4625,27 +4704,15 @@
 </file>
 
 <file path=customXml/item3.xml><?xml version="1.0" encoding="utf-8"?>
-<?mso-contentType ?>
-<FormTemplates xmlns="http://schemas.microsoft.com/sharepoint/v3/contenttype/forms">
-  <Display>DocumentLibraryForm</Display>
-  <Edit>DocumentLibraryForm</Edit>
-  <New>DocumentLibraryForm</New>
-</FormTemplates>
+<p:properties xmlns:p="http://schemas.microsoft.com/office/2006/metadata/properties" xmlns:xsi="http://www.w3.org/2001/XMLSchema-instance" xmlns:pc="http://schemas.microsoft.com/office/infopath/2007/PartnerControls">
+  <documentManagement/>
+</p:properties>
 </file>
 
 <file path=customXml/itemProps1.xml><?xml version="1.0" encoding="utf-8"?>
-<ds:datastoreItem xmlns:ds="http://schemas.openxmlformats.org/officeDocument/2006/customXml" ds:itemID="{9A77E927-B9B4-4654-96E0-3D7B737283A2}">
+<ds:datastoreItem xmlns:ds="http://schemas.openxmlformats.org/officeDocument/2006/customXml" ds:itemID="{4D4A239C-6C64-4D6E-A487-52DA58FDE92E}">
   <ds:schemaRefs>
-    <ds:schemaRef ds:uri="http://purl.org/dc/terms/"/>
-    <ds:schemaRef ds:uri="http://schemas.openxmlformats.org/package/2006/metadata/core-properties"/>
-    <ds:schemaRef ds:uri="http://purl.org/dc/dcmitype/"/>
-    <ds:schemaRef ds:uri="http://schemas.microsoft.com/office/infopath/2007/PartnerControls"/>
-    <ds:schemaRef ds:uri="http://purl.org/dc/elements/1.1/"/>
-    <ds:schemaRef ds:uri="http://schemas.microsoft.com/office/2006/metadata/properties"/>
-    <ds:schemaRef ds:uri="http://schemas.microsoft.com/office/2006/documentManagement/types"/>
-    <ds:schemaRef ds:uri="8c65bd94-c9c9-4fa3-94d3-b0050c658f08"/>
-    <ds:schemaRef ds:uri="1be922bb-d13a-4b27-885a-8fe45218aa33"/>
-    <ds:schemaRef ds:uri="http://www.w3.org/XML/1998/namespace"/>
+    <ds:schemaRef ds:uri="http://schemas.microsoft.com/sharepoint/v3/contenttype/forms"/>
   </ds:schemaRefs>
 </ds:datastoreItem>
 </file>
@@ -4670,9 +4737,18 @@
 </file>
 
 <file path=customXml/itemProps3.xml><?xml version="1.0" encoding="utf-8"?>
-<ds:datastoreItem xmlns:ds="http://schemas.openxmlformats.org/officeDocument/2006/customXml" ds:itemID="{4D4A239C-6C64-4D6E-A487-52DA58FDE92E}">
+<ds:datastoreItem xmlns:ds="http://schemas.openxmlformats.org/officeDocument/2006/customXml" ds:itemID="{9A77E927-B9B4-4654-96E0-3D7B737283A2}">
   <ds:schemaRefs>
-    <ds:schemaRef ds:uri="http://schemas.microsoft.com/sharepoint/v3/contenttype/forms"/>
+    <ds:schemaRef ds:uri="http://purl.org/dc/terms/"/>
+    <ds:schemaRef ds:uri="http://schemas.openxmlformats.org/package/2006/metadata/core-properties"/>
+    <ds:schemaRef ds:uri="http://purl.org/dc/dcmitype/"/>
+    <ds:schemaRef ds:uri="http://schemas.microsoft.com/office/infopath/2007/PartnerControls"/>
+    <ds:schemaRef ds:uri="http://purl.org/dc/elements/1.1/"/>
+    <ds:schemaRef ds:uri="http://schemas.microsoft.com/office/2006/metadata/properties"/>
+    <ds:schemaRef ds:uri="http://schemas.microsoft.com/office/2006/documentManagement/types"/>
+    <ds:schemaRef ds:uri="8c65bd94-c9c9-4fa3-94d3-b0050c658f08"/>
+    <ds:schemaRef ds:uri="1be922bb-d13a-4b27-885a-8fe45218aa33"/>
+    <ds:schemaRef ds:uri="http://www.w3.org/XML/1998/namespace"/>
   </ds:schemaRefs>
 </ds:datastoreItem>
 </file>